--- a/Parking System.pptx
+++ b/Parking System.pptx
@@ -284,7 +284,7 @@
           <a:p>
             <a:fld id="{72EA7947-E287-4738-8C82-07CE4F01EF03}" type="datetime2">
               <a:rPr lang="en-US" smtClean="0"/>
-              <a:t>Wednesday, June 28, 2023</a:t>
+              <a:t>Friday, July 7, 2023</a:t>
             </a:fld>
             <a:endParaRPr lang="en-US" dirty="0"/>
           </a:p>
@@ -1320,7 +1320,7 @@
           <a:p>
             <a:fld id="{EE2EBD84-71F4-4271-8C46-0D47C0A9B12E}" type="datetime2">
               <a:rPr lang="en-US" smtClean="0"/>
-              <a:t>Wednesday, June 28, 2023</a:t>
+              <a:t>Friday, July 7, 2023</a:t>
             </a:fld>
             <a:endParaRPr lang="en-US"/>
           </a:p>
@@ -1531,7 +1531,7 @@
           <a:p>
             <a:fld id="{ABAE0CE1-F450-4107-B2CB-17B18F8A3F4A}" type="datetime2">
               <a:rPr lang="en-US" smtClean="0"/>
-              <a:t>Wednesday, June 28, 2023</a:t>
+              <a:t>Friday, July 7, 2023</a:t>
             </a:fld>
             <a:endParaRPr lang="en-US"/>
           </a:p>
@@ -2196,7 +2196,7 @@
           <a:p>
             <a:fld id="{6FE8C025-CD7A-4966-867E-81CF82B15267}" type="datetime2">
               <a:rPr lang="en-US" smtClean="0"/>
-              <a:t>Wednesday, June 28, 2023</a:t>
+              <a:t>Friday, July 7, 2023</a:t>
             </a:fld>
             <a:endParaRPr lang="en-US"/>
           </a:p>
@@ -2816,7 +2816,7 @@
           <a:p>
             <a:fld id="{FE809929-0719-4517-94D6-FDF7F99E70F6}" type="datetime2">
               <a:rPr lang="en-US" smtClean="0"/>
-              <a:t>Wednesday, June 28, 2023</a:t>
+              <a:t>Friday, July 7, 2023</a:t>
             </a:fld>
             <a:endParaRPr lang="en-US"/>
           </a:p>
@@ -3934,7 +3934,7 @@
           <a:p>
             <a:fld id="{20E95673-5512-4AAA-9AEB-E00C61EC65D5}" type="datetime2">
               <a:rPr lang="en-US" smtClean="0"/>
-              <a:t>Wednesday, June 28, 2023</a:t>
+              <a:t>Friday, July 7, 2023</a:t>
             </a:fld>
             <a:endParaRPr lang="en-US"/>
           </a:p>
@@ -4481,7 +4481,7 @@
           <a:p>
             <a:fld id="{C13138FA-2E87-4873-8BBA-13E447C9A99A}" type="datetime2">
               <a:rPr lang="en-US" smtClean="0"/>
-              <a:t>Wednesday, June 28, 2023</a:t>
+              <a:t>Friday, July 7, 2023</a:t>
             </a:fld>
             <a:endParaRPr lang="en-US"/>
           </a:p>
@@ -4642,7 +4642,7 @@
           <a:p>
             <a:fld id="{D75BB40A-97BD-4BFB-B639-0BFF95FDE8B7}" type="datetime2">
               <a:rPr lang="en-US" smtClean="0"/>
-              <a:t>Wednesday, June 28, 2023</a:t>
+              <a:t>Friday, July 7, 2023</a:t>
             </a:fld>
             <a:endParaRPr lang="en-US"/>
           </a:p>
@@ -5677,7 +5677,7 @@
           <a:p>
             <a:fld id="{9EE9E0E3-ECF6-4CFE-8698-AEFEBCECC3C0}" type="datetime2">
               <a:rPr lang="en-US" smtClean="0"/>
-              <a:t>Wednesday, June 28, 2023</a:t>
+              <a:t>Friday, July 7, 2023</a:t>
             </a:fld>
             <a:endParaRPr lang="en-US"/>
           </a:p>
@@ -6323,7 +6323,7 @@
           <a:p>
             <a:fld id="{251462FC-960E-4740-921F-B36862979F21}" type="datetime2">
               <a:rPr lang="en-US" smtClean="0"/>
-              <a:t>Wednesday, June 28, 2023</a:t>
+              <a:t>Friday, July 7, 2023</a:t>
             </a:fld>
             <a:endParaRPr lang="en-US"/>
           </a:p>
@@ -7087,7 +7087,7 @@
           <a:p>
             <a:fld id="{E50BC9E2-CB44-4C05-9BB5-496C18A241E0}" type="datetime2">
               <a:rPr lang="en-US" smtClean="0"/>
-              <a:t>Wednesday, June 28, 2023</a:t>
+              <a:t>Friday, July 7, 2023</a:t>
             </a:fld>
             <a:endParaRPr lang="en-US"/>
           </a:p>
@@ -7340,7 +7340,7 @@
           <a:p>
             <a:fld id="{246CB39B-5F4C-4A7E-9BE3-AAFD45576D16}" type="datetime2">
               <a:rPr lang="en-US" smtClean="0"/>
-              <a:t>Wednesday, June 28, 2023</a:t>
+              <a:t>Friday, July 7, 2023</a:t>
             </a:fld>
             <a:endParaRPr lang="en-US" dirty="0"/>
           </a:p>
@@ -11033,14 +11033,14 @@
           <p:nvPr>
             <p:extLst>
               <p:ext uri="{D42A27DB-BD31-4B8C-83A1-F6EECF244321}">
-                <p14:modId xmlns:p14="http://schemas.microsoft.com/office/powerpoint/2010/main" val="1975799885"/>
+                <p14:modId xmlns:p14="http://schemas.microsoft.com/office/powerpoint/2010/main" val="2634008598"/>
               </p:ext>
             </p:extLst>
           </p:nvPr>
         </p:nvGraphicFramePr>
         <p:xfrm>
           <a:off x="2542541" y="525925"/>
-          <a:ext cx="7106918" cy="3158561"/>
+          <a:ext cx="7106919" cy="3158561"/>
         </p:xfrm>
         <a:graphic>
           <a:graphicData uri="http://schemas.openxmlformats.org/drawingml/2006/table">
@@ -11063,7 +11063,7 @@
                     </a:ext>
                   </a:extLst>
                 </a:gridCol>
-                <a:gridCol w="1245355">
+                <a:gridCol w="1245356">
                   <a:extLst>
                     <a:ext uri="{9D8B030D-6E8A-4147-A177-3AD203B41FA5}">
                       <a16:colId xmlns:a16="http://schemas.microsoft.com/office/drawing/2014/main" val="4055337296"/>
@@ -12409,7 +12409,7 @@
                     </a:lnB>
                   </a:tcPr>
                 </a:tc>
-                <a:tc gridSpan="2">
+                <a:tc>
                   <a:txBody>
                     <a:bodyPr/>
                     <a:lstStyle/>
@@ -12431,7 +12431,7 @@
                       <a:headEnd type="none" w="med" len="med"/>
                       <a:tailEnd type="none" w="med" len="med"/>
                     </a:lnL>
-                    <a:lnR w="28575" cap="flat" cmpd="sng" algn="ctr">
+                    <a:lnR w="12700" cap="flat" cmpd="sng" algn="ctr">
                       <a:solidFill>
                         <a:schemeClr val="tx1"/>
                       </a:solidFill>
@@ -12460,7 +12460,7 @@
                     </a:lnB>
                   </a:tcPr>
                 </a:tc>
-                <a:tc hMerge="1">
+                <a:tc>
                   <a:txBody>
                     <a:bodyPr/>
                     <a:lstStyle/>
@@ -14390,42 +14390,6 @@
           </a:p>
         </p:txBody>
       </p:sp>
-      <p:pic>
-        <p:nvPicPr>
-          <p:cNvPr id="11" name="Picture 10" descr="A screenshot of a diagram&#10;&#10;Description automatically generated with low confidence">
-            <a:extLst>
-              <a:ext uri="{FF2B5EF4-FFF2-40B4-BE49-F238E27FC236}">
-                <a16:creationId xmlns:a16="http://schemas.microsoft.com/office/drawing/2014/main" id="{D5777655-862C-1050-0CBF-E08FEB289FDC}"/>
-              </a:ext>
-            </a:extLst>
-          </p:cNvPr>
-          <p:cNvPicPr>
-            <a:picLocks noChangeAspect="1"/>
-          </p:cNvPicPr>
-          <p:nvPr/>
-        </p:nvPicPr>
-        <p:blipFill>
-          <a:blip r:embed="rId4">
-            <a:extLst>
-              <a:ext uri="{28A0092B-C50C-407E-A947-70E740481C1C}">
-                <a14:useLocalDpi xmlns:a14="http://schemas.microsoft.com/office/drawing/2010/main" val="0"/>
-              </a:ext>
-            </a:extLst>
-          </a:blip>
-          <a:stretch>
-            <a:fillRect/>
-          </a:stretch>
-        </p:blipFill>
-        <p:spPr>
-          <a:xfrm>
-            <a:off x="5407141" y="-1"/>
-            <a:ext cx="6784859" cy="6858000"/>
-          </a:xfrm>
-          <a:prstGeom prst="rect">
-            <a:avLst/>
-          </a:prstGeom>
-        </p:spPr>
-      </p:pic>
       <p:sp>
         <p:nvSpPr>
           <p:cNvPr id="12" name="TextBox 11">
@@ -14477,7 +14441,7 @@
           <p:nvPr/>
         </p:nvPicPr>
         <p:blipFill>
-          <a:blip r:embed="rId5">
+          <a:blip r:embed="rId4">
             <a:extLst>
               <a:ext uri="{28A0092B-C50C-407E-A947-70E740481C1C}">
                 <a14:useLocalDpi xmlns:a14="http://schemas.microsoft.com/office/drawing/2010/main" val="0"/>
@@ -14492,6 +14456,42 @@
           <a:xfrm>
             <a:off x="-11951188" y="1138616"/>
             <a:ext cx="11951188" cy="5904206"/>
+          </a:xfrm>
+          <a:prstGeom prst="rect">
+            <a:avLst/>
+          </a:prstGeom>
+        </p:spPr>
+      </p:pic>
+      <p:pic>
+        <p:nvPicPr>
+          <p:cNvPr id="3" name="Picture 2" descr="A screenshot of a diagram&#10;&#10;Description automatically generated with low confidence">
+            <a:extLst>
+              <a:ext uri="{FF2B5EF4-FFF2-40B4-BE49-F238E27FC236}">
+                <a16:creationId xmlns:a16="http://schemas.microsoft.com/office/drawing/2014/main" id="{B0B926E1-CFE6-ECDA-A48F-619825F23B31}"/>
+              </a:ext>
+            </a:extLst>
+          </p:cNvPr>
+          <p:cNvPicPr>
+            <a:picLocks noChangeAspect="1"/>
+          </p:cNvPicPr>
+          <p:nvPr/>
+        </p:nvPicPr>
+        <p:blipFill>
+          <a:blip r:embed="rId5">
+            <a:extLst>
+              <a:ext uri="{28A0092B-C50C-407E-A947-70E740481C1C}">
+                <a14:useLocalDpi xmlns:a14="http://schemas.microsoft.com/office/drawing/2010/main" val="0"/>
+              </a:ext>
+            </a:extLst>
+          </a:blip>
+          <a:stretch>
+            <a:fillRect/>
+          </a:stretch>
+        </p:blipFill>
+        <p:spPr>
+          <a:xfrm>
+            <a:off x="5407141" y="0"/>
+            <a:ext cx="6784859" cy="6858000"/>
           </a:xfrm>
           <a:prstGeom prst="rect">
             <a:avLst/>
@@ -14700,10 +14700,10 @@
       </p:sp>
       <p:pic>
         <p:nvPicPr>
-          <p:cNvPr id="7" name="Picture 6" descr="A screenshot of a diagram&#10;&#10;Description automatically generated with low confidence">
+          <p:cNvPr id="9" name="Picture 8" descr="A picture containing text, diagram, screenshot, plan&#10;&#10;Description automatically generated">
             <a:extLst>
               <a:ext uri="{FF2B5EF4-FFF2-40B4-BE49-F238E27FC236}">
-                <a16:creationId xmlns:a16="http://schemas.microsoft.com/office/drawing/2014/main" id="{54E35B27-135B-39A1-92BB-33A83942FF59}"/>
+                <a16:creationId xmlns:a16="http://schemas.microsoft.com/office/drawing/2014/main" id="{1C4373A5-401A-DABE-5553-E5DB35F2739A}"/>
               </a:ext>
             </a:extLst>
           </p:cNvPr>
@@ -14726,8 +14726,8 @@
         </p:blipFill>
         <p:spPr>
           <a:xfrm>
-            <a:off x="5407141" y="6858000"/>
-            <a:ext cx="6784859" cy="6858000"/>
+            <a:off x="120406" y="952299"/>
+            <a:ext cx="11951188" cy="5904206"/>
           </a:xfrm>
           <a:prstGeom prst="rect">
             <a:avLst/>
@@ -14736,10 +14736,10 @@
       </p:pic>
       <p:pic>
         <p:nvPicPr>
-          <p:cNvPr id="9" name="Picture 8" descr="A picture containing text, diagram, screenshot, plan&#10;&#10;Description automatically generated">
+          <p:cNvPr id="2" name="Picture 1" descr="A screenshot of a diagram&#10;&#10;Description automatically generated with low confidence">
             <a:extLst>
               <a:ext uri="{FF2B5EF4-FFF2-40B4-BE49-F238E27FC236}">
-                <a16:creationId xmlns:a16="http://schemas.microsoft.com/office/drawing/2014/main" id="{1C4373A5-401A-DABE-5553-E5DB35F2739A}"/>
+                <a16:creationId xmlns:a16="http://schemas.microsoft.com/office/drawing/2014/main" id="{89A281D8-22A3-D831-8872-1C5CF010B5E9}"/>
               </a:ext>
             </a:extLst>
           </p:cNvPr>
@@ -14762,8 +14762,8 @@
         </p:blipFill>
         <p:spPr>
           <a:xfrm>
-            <a:off x="120406" y="952299"/>
-            <a:ext cx="11951188" cy="5904206"/>
+            <a:off x="5407141" y="6858000"/>
+            <a:ext cx="6784859" cy="6858000"/>
           </a:xfrm>
           <a:prstGeom prst="rect">
             <a:avLst/>
